--- a/深入理解C++11/02保证稳定性和兼容性.pptx
+++ b/深入理解C++11/02保证稳定性和兼容性.pptx
@@ -204,7 +204,7 @@
           <a:p>
             <a:fld id="{A900F2CD-AD8F-46FC-AAAB-A0D218D6826F}" type="datetimeFigureOut">
               <a:rPr lang="zh-CN" altLang="en-US" smtClean="0"/>
-              <a:t>2020/7/2</a:t>
+              <a:t>2020/7/3</a:t>
             </a:fld>
             <a:endParaRPr lang="zh-CN" altLang="en-US"/>
           </a:p>
@@ -907,7 +907,7 @@
           <a:p>
             <a:fld id="{E396512D-F96B-4538-B91A-F7EB57A489A0}" type="datetimeFigureOut">
               <a:rPr lang="zh-CN" altLang="en-US" smtClean="0"/>
-              <a:t>2020/7/2</a:t>
+              <a:t>2020/7/3</a:t>
             </a:fld>
             <a:endParaRPr lang="zh-CN" altLang="en-US"/>
           </a:p>
@@ -1182,7 +1182,7 @@
           <a:p>
             <a:fld id="{E396512D-F96B-4538-B91A-F7EB57A489A0}" type="datetimeFigureOut">
               <a:rPr lang="zh-CN" altLang="en-US" smtClean="0"/>
-              <a:t>2020/7/2</a:t>
+              <a:t>2020/7/3</a:t>
             </a:fld>
             <a:endParaRPr lang="zh-CN" altLang="en-US"/>
           </a:p>
@@ -1376,7 +1376,7 @@
           <a:p>
             <a:fld id="{E396512D-F96B-4538-B91A-F7EB57A489A0}" type="datetimeFigureOut">
               <a:rPr lang="zh-CN" altLang="en-US" smtClean="0"/>
-              <a:t>2020/7/2</a:t>
+              <a:t>2020/7/3</a:t>
             </a:fld>
             <a:endParaRPr lang="zh-CN" altLang="en-US"/>
           </a:p>
@@ -1644,7 +1644,7 @@
           <a:p>
             <a:fld id="{E396512D-F96B-4538-B91A-F7EB57A489A0}" type="datetimeFigureOut">
               <a:rPr lang="zh-CN" altLang="en-US" smtClean="0"/>
-              <a:t>2020/7/2</a:t>
+              <a:t>2020/7/3</a:t>
             </a:fld>
             <a:endParaRPr lang="zh-CN" altLang="en-US"/>
           </a:p>
@@ -1976,7 +1976,7 @@
           <a:p>
             <a:fld id="{E396512D-F96B-4538-B91A-F7EB57A489A0}" type="datetimeFigureOut">
               <a:rPr lang="zh-CN" altLang="en-US" smtClean="0"/>
-              <a:t>2020/7/2</a:t>
+              <a:t>2020/7/3</a:t>
             </a:fld>
             <a:endParaRPr lang="zh-CN" altLang="en-US"/>
           </a:p>
@@ -2586,7 +2586,7 @@
           <a:p>
             <a:fld id="{E396512D-F96B-4538-B91A-F7EB57A489A0}" type="datetimeFigureOut">
               <a:rPr lang="zh-CN" altLang="en-US" smtClean="0"/>
-              <a:t>2020/7/2</a:t>
+              <a:t>2020/7/3</a:t>
             </a:fld>
             <a:endParaRPr lang="zh-CN" altLang="en-US"/>
           </a:p>
@@ -3433,7 +3433,7 @@
           <a:p>
             <a:fld id="{E396512D-F96B-4538-B91A-F7EB57A489A0}" type="datetimeFigureOut">
               <a:rPr lang="zh-CN" altLang="en-US" smtClean="0"/>
-              <a:t>2020/7/2</a:t>
+              <a:t>2020/7/3</a:t>
             </a:fld>
             <a:endParaRPr lang="zh-CN" altLang="en-US"/>
           </a:p>
@@ -3603,7 +3603,7 @@
           <a:p>
             <a:fld id="{E396512D-F96B-4538-B91A-F7EB57A489A0}" type="datetimeFigureOut">
               <a:rPr lang="zh-CN" altLang="en-US" smtClean="0"/>
-              <a:t>2020/7/2</a:t>
+              <a:t>2020/7/3</a:t>
             </a:fld>
             <a:endParaRPr lang="zh-CN" altLang="en-US"/>
           </a:p>
@@ -3783,7 +3783,7 @@
           <a:p>
             <a:fld id="{E396512D-F96B-4538-B91A-F7EB57A489A0}" type="datetimeFigureOut">
               <a:rPr lang="zh-CN" altLang="en-US" smtClean="0"/>
-              <a:t>2020/7/2</a:t>
+              <a:t>2020/7/3</a:t>
             </a:fld>
             <a:endParaRPr lang="zh-CN" altLang="en-US"/>
           </a:p>
@@ -3953,7 +3953,7 @@
           <a:p>
             <a:fld id="{E396512D-F96B-4538-B91A-F7EB57A489A0}" type="datetimeFigureOut">
               <a:rPr lang="zh-CN" altLang="en-US" smtClean="0"/>
-              <a:t>2020/7/2</a:t>
+              <a:t>2020/7/3</a:t>
             </a:fld>
             <a:endParaRPr lang="zh-CN" altLang="en-US"/>
           </a:p>
@@ -4197,7 +4197,7 @@
           <a:p>
             <a:fld id="{E396512D-F96B-4538-B91A-F7EB57A489A0}" type="datetimeFigureOut">
               <a:rPr lang="zh-CN" altLang="en-US" smtClean="0"/>
-              <a:t>2020/7/2</a:t>
+              <a:t>2020/7/3</a:t>
             </a:fld>
             <a:endParaRPr lang="zh-CN" altLang="en-US"/>
           </a:p>
@@ -4489,7 +4489,7 @@
           <a:p>
             <a:fld id="{E396512D-F96B-4538-B91A-F7EB57A489A0}" type="datetimeFigureOut">
               <a:rPr lang="zh-CN" altLang="en-US" smtClean="0"/>
-              <a:t>2020/7/2</a:t>
+              <a:t>2020/7/3</a:t>
             </a:fld>
             <a:endParaRPr lang="zh-CN" altLang="en-US"/>
           </a:p>
@@ -4927,7 +4927,7 @@
           <a:p>
             <a:fld id="{E396512D-F96B-4538-B91A-F7EB57A489A0}" type="datetimeFigureOut">
               <a:rPr lang="zh-CN" altLang="en-US" smtClean="0"/>
-              <a:t>2020/7/2</a:t>
+              <a:t>2020/7/3</a:t>
             </a:fld>
             <a:endParaRPr lang="zh-CN" altLang="en-US"/>
           </a:p>
@@ -5045,7 +5045,7 @@
           <a:p>
             <a:fld id="{E396512D-F96B-4538-B91A-F7EB57A489A0}" type="datetimeFigureOut">
               <a:rPr lang="zh-CN" altLang="en-US" smtClean="0"/>
-              <a:t>2020/7/2</a:t>
+              <a:t>2020/7/3</a:t>
             </a:fld>
             <a:endParaRPr lang="zh-CN" altLang="en-US"/>
           </a:p>
@@ -5140,7 +5140,7 @@
           <a:p>
             <a:fld id="{E396512D-F96B-4538-B91A-F7EB57A489A0}" type="datetimeFigureOut">
               <a:rPr lang="zh-CN" altLang="en-US" smtClean="0"/>
-              <a:t>2020/7/2</a:t>
+              <a:t>2020/7/3</a:t>
             </a:fld>
             <a:endParaRPr lang="zh-CN" altLang="en-US"/>
           </a:p>
@@ -5419,7 +5419,7 @@
           <a:p>
             <a:fld id="{E396512D-F96B-4538-B91A-F7EB57A489A0}" type="datetimeFigureOut">
               <a:rPr lang="zh-CN" altLang="en-US" smtClean="0"/>
-              <a:t>2020/7/2</a:t>
+              <a:t>2020/7/3</a:t>
             </a:fld>
             <a:endParaRPr lang="zh-CN" altLang="en-US"/>
           </a:p>
@@ -5694,7 +5694,7 @@
           <a:p>
             <a:fld id="{E396512D-F96B-4538-B91A-F7EB57A489A0}" type="datetimeFigureOut">
               <a:rPr lang="zh-CN" altLang="en-US" smtClean="0"/>
-              <a:t>2020/7/2</a:t>
+              <a:t>2020/7/3</a:t>
             </a:fld>
             <a:endParaRPr lang="zh-CN" altLang="en-US"/>
           </a:p>
@@ -6123,7 +6123,7 @@
           <a:p>
             <a:fld id="{E396512D-F96B-4538-B91A-F7EB57A489A0}" type="datetimeFigureOut">
               <a:rPr lang="zh-CN" altLang="en-US" smtClean="0"/>
-              <a:t>2020/7/2</a:t>
+              <a:t>2020/7/3</a:t>
             </a:fld>
             <a:endParaRPr lang="zh-CN" altLang="en-US"/>
           </a:p>
@@ -6651,14 +6651,7 @@
                 <a:latin typeface="微软雅黑" panose="020B0503020204020204" pitchFamily="34" charset="-122"/>
                 <a:ea typeface="微软雅黑" panose="020B0503020204020204" pitchFamily="34" charset="-122"/>
               </a:rPr>
-              <a:t>02 </a:t>
-            </a:r>
-            <a:r>
-              <a:rPr lang="en-US" altLang="zh-CN" sz="3200" b="1" smtClean="0">
-                <a:latin typeface="微软雅黑" panose="020B0503020204020204" pitchFamily="34" charset="-122"/>
-                <a:ea typeface="微软雅黑" panose="020B0503020204020204" pitchFamily="34" charset="-122"/>
-              </a:rPr>
-              <a:t>| </a:t>
+              <a:t>02 | </a:t>
             </a:r>
             <a:r>
               <a:rPr lang="zh-CN" altLang="en-US" sz="3200" b="1">
@@ -7037,14 +7030,7 @@
                 <a:latin typeface="微软雅黑" panose="020B0503020204020204" pitchFamily="34" charset="-122"/>
                 <a:ea typeface="微软雅黑" panose="020B0503020204020204" pitchFamily="34" charset="-122"/>
               </a:rPr>
-              <a:t>int lli = </a:t>
-            </a:r>
-            <a:r>
-              <a:rPr lang="en-US" altLang="zh-CN" sz="1400">
-                <a:latin typeface="微软雅黑" panose="020B0503020204020204" pitchFamily="34" charset="-122"/>
-                <a:ea typeface="微软雅黑" panose="020B0503020204020204" pitchFamily="34" charset="-122"/>
-              </a:rPr>
-              <a:t>-</a:t>
+              <a:t>int lli = -</a:t>
             </a:r>
             <a:r>
               <a:rPr lang="en-US" altLang="zh-CN" sz="1400" smtClean="0">
@@ -7459,14 +7445,7 @@
                 <a:latin typeface="微软雅黑" panose="020B0503020204020204" pitchFamily="34" charset="-122"/>
                 <a:ea typeface="微软雅黑" panose="020B0503020204020204" pitchFamily="34" charset="-122"/>
               </a:rPr>
-              <a:t>(sizeof(b) == </a:t>
-            </a:r>
-            <a:r>
-              <a:rPr lang="en-US" altLang="zh-CN" sz="1400">
-                <a:latin typeface="微软雅黑" panose="020B0503020204020204" pitchFamily="34" charset="-122"/>
-                <a:ea typeface="微软雅黑" panose="020B0503020204020204" pitchFamily="34" charset="-122"/>
-              </a:rPr>
-              <a:t>sizeof(a</a:t>
+              <a:t>(sizeof(b) == sizeof(a</a:t>
             </a:r>
             <a:r>
               <a:rPr lang="en-US" altLang="zh-CN" sz="1400" smtClean="0">
@@ -7650,17 +7629,7 @@
                 <a:latin typeface="微软雅黑" panose="020B0503020204020204" pitchFamily="34" charset="-122"/>
                 <a:ea typeface="微软雅黑" panose="020B0503020204020204" pitchFamily="34" charset="-122"/>
               </a:rPr>
-              <a:t>用于编译期断言</a:t>
-            </a:r>
-            <a:r>
-              <a:rPr lang="zh-CN" altLang="en-US" sz="1400" smtClean="0">
-                <a:solidFill>
-                  <a:srgbClr val="FFFF00"/>
-                </a:solidFill>
-                <a:latin typeface="微软雅黑" panose="020B0503020204020204" pitchFamily="34" charset="-122"/>
-                <a:ea typeface="微软雅黑" panose="020B0503020204020204" pitchFamily="34" charset="-122"/>
-              </a:rPr>
-              <a:t>，参数只能是常量表达式。</a:t>
+              <a:t>用于编译期断言，参数只能是常量表达式。</a:t>
             </a:r>
             <a:endParaRPr lang="zh-CN" altLang="en-US" sz="1400" dirty="0">
               <a:solidFill>
@@ -7882,25 +7851,8 @@
                 <a:latin typeface="微软雅黑" panose="020B0503020204020204" pitchFamily="34" charset="-122"/>
                 <a:ea typeface="微软雅黑" panose="020B0503020204020204" pitchFamily="34" charset="-122"/>
               </a:rPr>
-              <a:t>throw</a:t>
-            </a:r>
-            <a:r>
-              <a:rPr lang="en-US" altLang="zh-CN" sz="1200" smtClean="0">
-                <a:solidFill>
-                  <a:srgbClr val="FFFF00"/>
-                </a:solidFill>
-                <a:latin typeface="微软雅黑" panose="020B0503020204020204" pitchFamily="34" charset="-122"/>
-                <a:ea typeface="微软雅黑" panose="020B0503020204020204" pitchFamily="34" charset="-122"/>
-              </a:rPr>
-              <a:t>()</a:t>
-            </a:r>
-            <a:endParaRPr lang="en-US" altLang="zh-CN" sz="1200" smtClean="0">
-              <a:solidFill>
-                <a:srgbClr val="FFFF00"/>
-              </a:solidFill>
-              <a:latin typeface="微软雅黑" panose="020B0503020204020204" pitchFamily="34" charset="-122"/>
-              <a:ea typeface="微软雅黑" panose="020B0503020204020204" pitchFamily="34" charset="-122"/>
-            </a:endParaRPr>
+              <a:t>throw()</a:t>
+            </a:r>
           </a:p>
           <a:p>
             <a:endParaRPr lang="en-US" altLang="zh-CN" sz="1200">
@@ -8076,14 +8028,7 @@
                 <a:latin typeface="微软雅黑" panose="020B0503020204020204" pitchFamily="34" charset="-122"/>
                 <a:ea typeface="微软雅黑" panose="020B0503020204020204" pitchFamily="34" charset="-122"/>
               </a:rPr>
-              <a:t>void Throw() {throw </a:t>
-            </a:r>
-            <a:r>
-              <a:rPr lang="en-US" altLang="zh-CN" sz="1200">
-                <a:latin typeface="微软雅黑" panose="020B0503020204020204" pitchFamily="34" charset="-122"/>
-                <a:ea typeface="微软雅黑" panose="020B0503020204020204" pitchFamily="34" charset="-122"/>
-              </a:rPr>
-              <a:t>1</a:t>
+              <a:t>void Throw() {throw 1</a:t>
             </a:r>
             <a:r>
               <a:rPr lang="en-US" altLang="zh-CN" sz="1200" smtClean="0">
@@ -8124,14 +8069,7 @@
                 <a:latin typeface="微软雅黑" panose="020B0503020204020204" pitchFamily="34" charset="-122"/>
                 <a:ea typeface="微软雅黑" panose="020B0503020204020204" pitchFamily="34" charset="-122"/>
               </a:rPr>
-              <a:t>void NoBlockThrow() {</a:t>
-            </a:r>
-            <a:r>
-              <a:rPr lang="en-US" altLang="zh-CN" sz="1200">
-                <a:latin typeface="微软雅黑" panose="020B0503020204020204" pitchFamily="34" charset="-122"/>
-                <a:ea typeface="微软雅黑" panose="020B0503020204020204" pitchFamily="34" charset="-122"/>
-              </a:rPr>
-              <a:t>Throw</a:t>
+              <a:t>void NoBlockThrow() {Throw</a:t>
             </a:r>
             <a:r>
               <a:rPr lang="en-US" altLang="zh-CN" sz="1200" smtClean="0">
@@ -8175,14 +8113,7 @@
                 <a:latin typeface="微软雅黑" panose="020B0503020204020204" pitchFamily="34" charset="-122"/>
                 <a:ea typeface="微软雅黑" panose="020B0503020204020204" pitchFamily="34" charset="-122"/>
               </a:rPr>
-              <a:t> {</a:t>
-            </a:r>
-            <a:r>
-              <a:rPr lang="en-US" altLang="zh-CN" sz="1200">
-                <a:latin typeface="微软雅黑" panose="020B0503020204020204" pitchFamily="34" charset="-122"/>
-                <a:ea typeface="微软雅黑" panose="020B0503020204020204" pitchFamily="34" charset="-122"/>
-              </a:rPr>
-              <a:t>Throw</a:t>
+              <a:t> {Throw</a:t>
             </a:r>
             <a:r>
               <a:rPr lang="en-US" altLang="zh-CN" sz="1200" smtClean="0">
@@ -8814,17 +8745,7 @@
                 <a:latin typeface="微软雅黑" panose="020B0503020204020204" pitchFamily="34" charset="-122"/>
                 <a:ea typeface="微软雅黑" panose="020B0503020204020204" pitchFamily="34" charset="-122"/>
               </a:rPr>
-              <a:t>= </a:t>
-            </a:r>
-            <a:r>
-              <a:rPr lang="en-US" altLang="zh-CN" sz="1100">
-                <a:solidFill>
-                  <a:srgbClr val="00B050"/>
-                </a:solidFill>
-                <a:latin typeface="微软雅黑" panose="020B0503020204020204" pitchFamily="34" charset="-122"/>
-                <a:ea typeface="微软雅黑" panose="020B0503020204020204" pitchFamily="34" charset="-122"/>
-              </a:rPr>
-              <a:t>1</a:t>
+              <a:t>= 1</a:t>
             </a:r>
             <a:r>
               <a:rPr lang="en-US" altLang="zh-CN" sz="1100" smtClean="0">
@@ -8851,14 +8772,7 @@
                 <a:latin typeface="微软雅黑" panose="020B0503020204020204" pitchFamily="34" charset="-122"/>
                 <a:ea typeface="微软雅黑" panose="020B0503020204020204" pitchFamily="34" charset="-122"/>
               </a:rPr>
-              <a:t>    Mem </a:t>
-            </a:r>
-            <a:r>
-              <a:rPr lang="en-US" altLang="zh-CN" sz="1100">
-                <a:latin typeface="微软雅黑" panose="020B0503020204020204" pitchFamily="34" charset="-122"/>
-                <a:ea typeface="微软雅黑" panose="020B0503020204020204" pitchFamily="34" charset="-122"/>
-              </a:rPr>
-              <a:t>mem</a:t>
+              <a:t>    Mem mem</a:t>
             </a:r>
             <a:r>
               <a:rPr lang="en-US" altLang="zh-CN" sz="1100">
@@ -8922,17 +8836,7 @@
                 <a:latin typeface="微软雅黑" panose="020B0503020204020204" pitchFamily="34" charset="-122"/>
                 <a:ea typeface="微软雅黑" panose="020B0503020204020204" pitchFamily="34" charset="-122"/>
               </a:rPr>
-              <a:t>{"</a:t>
-            </a:r>
-            <a:r>
-              <a:rPr lang="en-US" altLang="zh-CN" sz="1100">
-                <a:solidFill>
-                  <a:srgbClr val="00B050"/>
-                </a:solidFill>
-                <a:latin typeface="微软雅黑" panose="020B0503020204020204" pitchFamily="34" charset="-122"/>
-                <a:ea typeface="微软雅黑" panose="020B0503020204020204" pitchFamily="34" charset="-122"/>
-              </a:rPr>
-              <a:t>Group</a:t>
+              <a:t>{"Group</a:t>
             </a:r>
             <a:r>
               <a:rPr lang="en-US" altLang="zh-CN" sz="1100" smtClean="0">
@@ -9012,14 +8916,7 @@
                 <a:latin typeface="微软雅黑" panose="020B0503020204020204" pitchFamily="34" charset="-122"/>
                 <a:ea typeface="微软雅黑" panose="020B0503020204020204" pitchFamily="34" charset="-122"/>
               </a:rPr>
-              <a:t>    Group(int a, Mem m, string n): data(a), mem(m), name(n</a:t>
-            </a:r>
-            <a:r>
-              <a:rPr lang="en-US" altLang="zh-CN" sz="1100">
-                <a:latin typeface="微软雅黑" panose="020B0503020204020204" pitchFamily="34" charset="-122"/>
-                <a:ea typeface="微软雅黑" panose="020B0503020204020204" pitchFamily="34" charset="-122"/>
-              </a:rPr>
-              <a:t>) </a:t>
+              <a:t>    Group(int a, Mem m, string n): data(a), mem(m), name(n) </a:t>
             </a:r>
             <a:r>
               <a:rPr lang="en-US" altLang="zh-CN" sz="1100" smtClean="0">
@@ -9128,14 +9025,7 @@
                 <a:latin typeface="微软雅黑" panose="020B0503020204020204" pitchFamily="34" charset="-122"/>
                 <a:ea typeface="微软雅黑" panose="020B0503020204020204" pitchFamily="34" charset="-122"/>
               </a:rPr>
-              <a:t>非</a:t>
-            </a:r>
-            <a:r>
-              <a:rPr lang="zh-CN" altLang="en-US" sz="3200" b="1">
-                <a:latin typeface="微软雅黑" panose="020B0503020204020204" pitchFamily="34" charset="-122"/>
-                <a:ea typeface="微软雅黑" panose="020B0503020204020204" pitchFamily="34" charset="-122"/>
-              </a:rPr>
-              <a:t>静态</a:t>
+              <a:t>非静态</a:t>
             </a:r>
             <a:r>
               <a:rPr lang="zh-CN" altLang="en-US" sz="3200" b="1" smtClean="0">
@@ -9357,14 +9247,7 @@
                 <a:latin typeface="微软雅黑" panose="020B0503020204020204" pitchFamily="34" charset="-122"/>
                 <a:ea typeface="微软雅黑" panose="020B0503020204020204" pitchFamily="34" charset="-122"/>
               </a:rPr>
-              <a:t>(((People*)0) -&gt; </a:t>
-            </a:r>
-            <a:r>
-              <a:rPr lang="en-US" altLang="zh-CN" sz="1100">
-                <a:latin typeface="微软雅黑" panose="020B0503020204020204" pitchFamily="34" charset="-122"/>
-                <a:ea typeface="微软雅黑" panose="020B0503020204020204" pitchFamily="34" charset="-122"/>
-              </a:rPr>
-              <a:t>hand</a:t>
+              <a:t>(((People*)0) -&gt; hand</a:t>
             </a:r>
             <a:r>
               <a:rPr lang="en-US" altLang="zh-CN" sz="1100" smtClean="0">
@@ -9680,14 +9563,7 @@
                 <a:latin typeface="微软雅黑" panose="020B0503020204020204" pitchFamily="34" charset="-122"/>
                 <a:ea typeface="微软雅黑" panose="020B0503020204020204" pitchFamily="34" charset="-122"/>
               </a:rPr>
-              <a:t>    void </a:t>
-            </a:r>
-            <a:r>
-              <a:rPr lang="en-US" altLang="zh-CN" sz="1100">
-                <a:latin typeface="微软雅黑" panose="020B0503020204020204" pitchFamily="34" charset="-122"/>
-                <a:ea typeface="微软雅黑" panose="020B0503020204020204" pitchFamily="34" charset="-122"/>
-              </a:rPr>
-              <a:t>fun</a:t>
+              <a:t>    void fun</a:t>
             </a:r>
             <a:r>
               <a:rPr lang="en-US" altLang="zh-CN" sz="1100" smtClean="0">
@@ -10049,14 +9925,7 @@
                 <a:latin typeface="微软雅黑" panose="020B0503020204020204" pitchFamily="34" charset="-122"/>
                 <a:ea typeface="微软雅黑" panose="020B0503020204020204" pitchFamily="34" charset="-122"/>
               </a:rPr>
-              <a:t>    void DKnuth</a:t>
-            </a:r>
-            <a:r>
-              <a:rPr lang="en-US" altLang="zh-CN" sz="1100">
-                <a:latin typeface="微软雅黑" panose="020B0503020204020204" pitchFamily="34" charset="-122"/>
-                <a:ea typeface="微软雅黑" panose="020B0503020204020204" pitchFamily="34" charset="-122"/>
-              </a:rPr>
-              <a:t>() </a:t>
+              <a:t>    void DKnuth() </a:t>
             </a:r>
             <a:r>
               <a:rPr lang="en-US" altLang="zh-CN" sz="1100" smtClean="0">
@@ -10093,14 +9962,7 @@
                 <a:latin typeface="微软雅黑" panose="020B0503020204020204" pitchFamily="34" charset="-122"/>
                 <a:ea typeface="微软雅黑" panose="020B0503020204020204" pitchFamily="34" charset="-122"/>
               </a:rPr>
-              <a:t>    void Print</a:t>
-            </a:r>
-            <a:r>
-              <a:rPr lang="en-US" altLang="zh-CN" sz="1100">
-                <a:latin typeface="微软雅黑" panose="020B0503020204020204" pitchFamily="34" charset="-122"/>
-                <a:ea typeface="微软雅黑" panose="020B0503020204020204" pitchFamily="34" charset="-122"/>
-              </a:rPr>
-              <a:t>() </a:t>
+              <a:t>    void Print() </a:t>
             </a:r>
             <a:r>
               <a:rPr lang="en-US" altLang="zh-CN" sz="1100" smtClean="0">
@@ -10222,76 +10084,6 @@
       </p:sp>
       <p:sp>
         <p:nvSpPr>
-          <p:cNvPr id="7" name="文本框 6"/>
-          <p:cNvSpPr txBox="1"/>
-          <p:nvPr/>
-        </p:nvSpPr>
-        <p:spPr>
-          <a:xfrm>
-            <a:off x="114300" y="842111"/>
-            <a:ext cx="4852610" cy="369332"/>
-          </a:xfrm>
-          <a:prstGeom prst="rect">
-            <a:avLst/>
-          </a:prstGeom>
-          <a:noFill/>
-        </p:spPr>
-        <p:txBody>
-          <a:bodyPr wrap="none">
-            <a:spAutoFit/>
-            <a:scene3d>
-              <a:camera prst="orthographicFront"/>
-              <a:lightRig rig="harsh" dir="t"/>
-            </a:scene3d>
-            <a:sp3d extrusionH="57150" prstMaterial="matte">
-              <a:bevelT w="63500" h="12700" prst="angle"/>
-              <a:contourClr>
-                <a:schemeClr val="bg1">
-                  <a:lumMod val="65000"/>
-                </a:schemeClr>
-              </a:contourClr>
-            </a:sp3d>
-          </a:bodyPr>
-          <a:lstStyle/>
-          <a:p>
-            <a:pPr>
-              <a:defRPr/>
-            </a:pPr>
-            <a:r>
-              <a:rPr lang="en-US" altLang="zh-CN" b="1" smtClean="0">
-                <a:ln/>
-                <a:solidFill>
-                  <a:srgbClr val="4FD1FF"/>
-                </a:solidFill>
-                <a:latin typeface="微软雅黑" panose="020B0503020204020204" pitchFamily="34" charset="-122"/>
-                <a:ea typeface="微软雅黑" panose="020B0503020204020204" pitchFamily="34" charset="-122"/>
-              </a:rPr>
-              <a:t>final</a:t>
-            </a:r>
-            <a:r>
-              <a:rPr lang="zh-CN" altLang="en-US" b="1" smtClean="0">
-                <a:ln/>
-                <a:solidFill>
-                  <a:srgbClr val="4FD1FF"/>
-                </a:solidFill>
-                <a:latin typeface="微软雅黑" panose="020B0503020204020204" pitchFamily="34" charset="-122"/>
-                <a:ea typeface="微软雅黑" panose="020B0503020204020204" pitchFamily="34" charset="-122"/>
-              </a:rPr>
-              <a:t>：使派生类不可覆盖它所修饰的虚函数。</a:t>
-            </a:r>
-            <a:endParaRPr lang="en-US" altLang="zh-CN" b="1" dirty="0">
-              <a:ln/>
-              <a:solidFill>
-                <a:srgbClr val="4FD1FF"/>
-              </a:solidFill>
-              <a:latin typeface="微软雅黑" panose="020B0503020204020204" pitchFamily="34" charset="-122"/>
-              <a:ea typeface="微软雅黑" panose="020B0503020204020204" pitchFamily="34" charset="-122"/>
-            </a:endParaRPr>
-          </a:p>
-        </p:txBody>
-      </p:sp>
-      <p:sp>
-        <p:nvSpPr>
           <p:cNvPr id="8" name="矩形 7"/>
           <p:cNvSpPr/>
           <p:nvPr/>
@@ -10342,14 +10134,7 @@
                 <a:latin typeface="微软雅黑" panose="020B0503020204020204" pitchFamily="34" charset="-122"/>
                 <a:ea typeface="微软雅黑" panose="020B0503020204020204" pitchFamily="34" charset="-122"/>
               </a:rPr>
-              <a:t>void f(T t = 0, U u = </a:t>
-            </a:r>
-            <a:r>
-              <a:rPr lang="en-US" altLang="zh-CN" sz="1100">
-                <a:latin typeface="微软雅黑" panose="020B0503020204020204" pitchFamily="34" charset="-122"/>
-                <a:ea typeface="微软雅黑" panose="020B0503020204020204" pitchFamily="34" charset="-122"/>
-              </a:rPr>
-              <a:t>0</a:t>
+              <a:t>void f(T t = 0, U u = 0</a:t>
             </a:r>
             <a:r>
               <a:rPr lang="en-US" altLang="zh-CN" sz="1100" smtClean="0">
@@ -10413,14 +10198,7 @@
                 <a:latin typeface="微软雅黑" panose="020B0503020204020204" pitchFamily="34" charset="-122"/>
                 <a:ea typeface="微软雅黑" panose="020B0503020204020204" pitchFamily="34" charset="-122"/>
               </a:rPr>
-              <a:t>    f(1, </a:t>
-            </a:r>
-            <a:r>
-              <a:rPr lang="en-US" altLang="zh-CN" sz="1100">
-                <a:latin typeface="微软雅黑" panose="020B0503020204020204" pitchFamily="34" charset="-122"/>
-                <a:ea typeface="微软雅黑" panose="020B0503020204020204" pitchFamily="34" charset="-122"/>
-              </a:rPr>
-              <a:t>'c</a:t>
+              <a:t>    f(1, 'c</a:t>
             </a:r>
             <a:r>
               <a:rPr lang="en-US" altLang="zh-CN" sz="1100" smtClean="0">
@@ -10468,14 +10246,7 @@
                 <a:latin typeface="微软雅黑" panose="020B0503020204020204" pitchFamily="34" charset="-122"/>
                 <a:ea typeface="微软雅黑" panose="020B0503020204020204" pitchFamily="34" charset="-122"/>
               </a:rPr>
-              <a:t>    </a:t>
-            </a:r>
-            <a:r>
-              <a:rPr lang="en-US" altLang="zh-CN" sz="1100">
-                <a:latin typeface="微软雅黑" panose="020B0503020204020204" pitchFamily="34" charset="-122"/>
-                <a:ea typeface="微软雅黑" panose="020B0503020204020204" pitchFamily="34" charset="-122"/>
-              </a:rPr>
-              <a:t>f(1</a:t>
+              <a:t>    f(1</a:t>
             </a:r>
             <a:r>
               <a:rPr lang="en-US" altLang="zh-CN" sz="1100" smtClean="0">
@@ -10523,14 +10294,7 @@
                 <a:latin typeface="微软雅黑" panose="020B0503020204020204" pitchFamily="34" charset="-122"/>
                 <a:ea typeface="微软雅黑" panose="020B0503020204020204" pitchFamily="34" charset="-122"/>
               </a:rPr>
-              <a:t>    </a:t>
-            </a:r>
-            <a:r>
-              <a:rPr lang="en-US" altLang="zh-CN" sz="1100">
-                <a:latin typeface="微软雅黑" panose="020B0503020204020204" pitchFamily="34" charset="-122"/>
-                <a:ea typeface="微软雅黑" panose="020B0503020204020204" pitchFamily="34" charset="-122"/>
-              </a:rPr>
-              <a:t>f</a:t>
+              <a:t>    f</a:t>
             </a:r>
             <a:r>
               <a:rPr lang="en-US" altLang="zh-CN" sz="1100" smtClean="0">
@@ -10571,14 +10335,7 @@
                 <a:latin typeface="微软雅黑" panose="020B0503020204020204" pitchFamily="34" charset="-122"/>
                 <a:ea typeface="微软雅黑" panose="020B0503020204020204" pitchFamily="34" charset="-122"/>
               </a:rPr>
-              <a:t>    </a:t>
-            </a:r>
-            <a:r>
-              <a:rPr lang="en-US" altLang="zh-CN" sz="1100">
-                <a:latin typeface="微软雅黑" panose="020B0503020204020204" pitchFamily="34" charset="-122"/>
-                <a:ea typeface="微软雅黑" panose="020B0503020204020204" pitchFamily="34" charset="-122"/>
-              </a:rPr>
-              <a:t>f&lt;int</a:t>
+              <a:t>    f&lt;int</a:t>
             </a:r>
             <a:r>
               <a:rPr lang="en-US" altLang="zh-CN" sz="1100" smtClean="0">
@@ -10612,14 +10369,7 @@
                 <a:latin typeface="微软雅黑" panose="020B0503020204020204" pitchFamily="34" charset="-122"/>
                 <a:ea typeface="微软雅黑" panose="020B0503020204020204" pitchFamily="34" charset="-122"/>
               </a:rPr>
-              <a:t>    f&lt;int, </a:t>
-            </a:r>
-            <a:r>
-              <a:rPr lang="en-US" altLang="zh-CN" sz="1100">
-                <a:latin typeface="微软雅黑" panose="020B0503020204020204" pitchFamily="34" charset="-122"/>
-                <a:ea typeface="微软雅黑" panose="020B0503020204020204" pitchFamily="34" charset="-122"/>
-              </a:rPr>
-              <a:t>char</a:t>
+              <a:t>    f&lt;int, char</a:t>
             </a:r>
             <a:r>
               <a:rPr lang="en-US" altLang="zh-CN" sz="1100" smtClean="0">
